--- a/presentations/weekly_meetings/2_15_24.pptx
+++ b/presentations/weekly_meetings/2_15_24.pptx
@@ -5,14 +5,15 @@
     <p:sldMasterId id="2147483648" r:id="rId1"/>
   </p:sldMasterIdLst>
   <p:notesMasterIdLst>
-    <p:notesMasterId r:id="rId7"/>
+    <p:notesMasterId r:id="rId8"/>
   </p:notesMasterIdLst>
   <p:sldIdLst>
     <p:sldId id="477" r:id="rId2"/>
     <p:sldId id="499" r:id="rId3"/>
     <p:sldId id="539" r:id="rId4"/>
     <p:sldId id="541" r:id="rId5"/>
-    <p:sldId id="538" r:id="rId6"/>
+    <p:sldId id="542" r:id="rId6"/>
+    <p:sldId id="538" r:id="rId7"/>
   </p:sldIdLst>
   <p:sldSz cx="12192000" cy="6858000"/>
   <p:notesSz cx="6858000" cy="9144000"/>
@@ -212,7 +213,7 @@
           <a:p>
             <a:fld id="{E933A773-0DCE-3544-BB67-D5FA58DF903C}" type="datetimeFigureOut">
               <a:rPr lang="en-US" smtClean="0"/>
-              <a:t>2/12/24</a:t>
+              <a:t>2/13/24</a:t>
             </a:fld>
             <a:endParaRPr lang="en-US"/>
           </a:p>
@@ -1052,6 +1053,219 @@
         <p:cNvPr id="1" name="">
           <a:extLst>
             <a:ext uri="{FF2B5EF4-FFF2-40B4-BE49-F238E27FC236}">
+              <a16:creationId xmlns:a16="http://schemas.microsoft.com/office/drawing/2014/main" id="{E379B1DE-DA6D-E250-E192-F9339F770F01}"/>
+            </a:ext>
+          </a:extLst>
+        </p:cNvPr>
+        <p:cNvGrpSpPr/>
+        <p:nvPr/>
+      </p:nvGrpSpPr>
+      <p:grpSpPr>
+        <a:xfrm>
+          <a:off x="0" y="0"/>
+          <a:ext cx="0" cy="0"/>
+          <a:chOff x="0" y="0"/>
+          <a:chExt cx="0" cy="0"/>
+        </a:xfrm>
+      </p:grpSpPr>
+      <p:sp>
+        <p:nvSpPr>
+          <p:cNvPr id="2" name="Slide Image Placeholder 1">
+            <a:extLst>
+              <a:ext uri="{FF2B5EF4-FFF2-40B4-BE49-F238E27FC236}">
+                <a16:creationId xmlns:a16="http://schemas.microsoft.com/office/drawing/2014/main" id="{C16FA583-499C-9106-5992-6F2F8F7D2FBD}"/>
+              </a:ext>
+            </a:extLst>
+          </p:cNvPr>
+          <p:cNvSpPr>
+            <a:spLocks noGrp="1" noRot="1" noChangeAspect="1"/>
+          </p:cNvSpPr>
+          <p:nvPr>
+            <p:ph type="sldImg"/>
+          </p:nvPr>
+        </p:nvSpPr>
+        <p:spPr/>
+      </p:sp>
+      <p:sp>
+        <p:nvSpPr>
+          <p:cNvPr id="3" name="Notes Placeholder 2">
+            <a:extLst>
+              <a:ext uri="{FF2B5EF4-FFF2-40B4-BE49-F238E27FC236}">
+                <a16:creationId xmlns:a16="http://schemas.microsoft.com/office/drawing/2014/main" id="{DECA48C0-F675-D396-3F8E-E0D1B291AD4B}"/>
+              </a:ext>
+            </a:extLst>
+          </p:cNvPr>
+          <p:cNvSpPr>
+            <a:spLocks noGrp="1"/>
+          </p:cNvSpPr>
+          <p:nvPr>
+            <p:ph type="body" idx="1"/>
+          </p:nvPr>
+        </p:nvSpPr>
+        <p:spPr/>
+        <p:txBody>
+          <a:bodyPr/>
+          <a:lstStyle/>
+          <a:p>
+            <a:r>
+              <a:rPr lang="en-US" b="0" dirty="0" err="1">
+                <a:solidFill>
+                  <a:srgbClr val="CCCCCC"/>
+                </a:solidFill>
+                <a:effectLst/>
+                <a:latin typeface="Menlo" panose="020B0609030804020204" pitchFamily="49" charset="0"/>
+              </a:rPr>
+              <a:t>hpca</a:t>
+            </a:r>
+            <a:r>
+              <a:rPr lang="en-US" b="0" dirty="0">
+                <a:solidFill>
+                  <a:srgbClr val="CCCCCC"/>
+                </a:solidFill>
+                <a:effectLst/>
+                <a:latin typeface="Menlo" panose="020B0609030804020204" pitchFamily="49" charset="0"/>
+              </a:rPr>
+              <a:t> (primary cell atlas, microarray)</a:t>
+            </a:r>
+          </a:p>
+          <a:p>
+            <a:r>
+              <a:rPr lang="en-US" b="0" dirty="0">
+                <a:solidFill>
+                  <a:srgbClr val="CCCCCC"/>
+                </a:solidFill>
+                <a:effectLst/>
+                <a:latin typeface="Menlo" panose="020B0609030804020204" pitchFamily="49" charset="0"/>
+              </a:rPr>
+              <a:t>713 microarray samples from the Human Primary Cell Atlas</a:t>
+            </a:r>
+          </a:p>
+          <a:p>
+            <a:endParaRPr lang="en-US" b="0" dirty="0">
+              <a:solidFill>
+                <a:srgbClr val="CCCCCC"/>
+              </a:solidFill>
+              <a:effectLst/>
+              <a:latin typeface="Menlo" panose="020B0609030804020204" pitchFamily="49" charset="0"/>
+            </a:endParaRPr>
+          </a:p>
+          <a:p>
+            <a:r>
+              <a:rPr lang="en-US" b="0" dirty="0">
+                <a:solidFill>
+                  <a:srgbClr val="CCCCCC"/>
+                </a:solidFill>
+                <a:effectLst/>
+                <a:latin typeface="Menlo" panose="020B0609030804020204" pitchFamily="49" charset="0"/>
+              </a:rPr>
+              <a:t>blueprint encode (</a:t>
+            </a:r>
+            <a:r>
+              <a:rPr lang="en-US" b="0" dirty="0" err="1">
+                <a:solidFill>
+                  <a:srgbClr val="CCCCCC"/>
+                </a:solidFill>
+                <a:effectLst/>
+                <a:latin typeface="Menlo" panose="020B0609030804020204" pitchFamily="49" charset="0"/>
+              </a:rPr>
+              <a:t>RNAseq</a:t>
+            </a:r>
+            <a:r>
+              <a:rPr lang="en-US" b="0" dirty="0">
+                <a:solidFill>
+                  <a:srgbClr val="CCCCCC"/>
+                </a:solidFill>
+                <a:effectLst/>
+                <a:latin typeface="Menlo" panose="020B0609030804020204" pitchFamily="49" charset="0"/>
+              </a:rPr>
+              <a:t>)</a:t>
+            </a:r>
+          </a:p>
+          <a:p>
+            <a:r>
+              <a:rPr lang="en-US" b="0" dirty="0">
+                <a:solidFill>
+                  <a:srgbClr val="CCCCCC"/>
+                </a:solidFill>
+                <a:effectLst/>
+                <a:latin typeface="Menlo" panose="020B0609030804020204" pitchFamily="49" charset="0"/>
+              </a:rPr>
+              <a:t>259 RNA-seq samples of pure stroma and immune cells</a:t>
+            </a:r>
+          </a:p>
+          <a:p>
+            <a:endParaRPr lang="en-US" b="0" dirty="0">
+              <a:solidFill>
+                <a:srgbClr val="CCCCCC"/>
+              </a:solidFill>
+              <a:effectLst/>
+              <a:latin typeface="Menlo" panose="020B0609030804020204" pitchFamily="49" charset="0"/>
+            </a:endParaRPr>
+          </a:p>
+          <a:p>
+            <a:r>
+              <a:rPr lang="en-US" b="0" dirty="0">
+                <a:solidFill>
+                  <a:srgbClr val="CCCCCC"/>
+                </a:solidFill>
+                <a:effectLst/>
+                <a:latin typeface="Menlo" panose="020B0609030804020204" pitchFamily="49" charset="0"/>
+              </a:rPr>
+              <a:t>Seurat ref is PBMCs</a:t>
+            </a:r>
+          </a:p>
+        </p:txBody>
+      </p:sp>
+      <p:sp>
+        <p:nvSpPr>
+          <p:cNvPr id="4" name="Slide Number Placeholder 3">
+            <a:extLst>
+              <a:ext uri="{FF2B5EF4-FFF2-40B4-BE49-F238E27FC236}">
+                <a16:creationId xmlns:a16="http://schemas.microsoft.com/office/drawing/2014/main" id="{731ACD03-27BE-1802-A4E9-2B9CC491553E}"/>
+              </a:ext>
+            </a:extLst>
+          </p:cNvPr>
+          <p:cNvSpPr>
+            <a:spLocks noGrp="1"/>
+          </p:cNvSpPr>
+          <p:nvPr>
+            <p:ph type="sldNum" sz="quarter" idx="5"/>
+          </p:nvPr>
+        </p:nvSpPr>
+        <p:spPr/>
+        <p:txBody>
+          <a:bodyPr/>
+          <a:lstStyle/>
+          <a:p>
+            <a:fld id="{061BAA8C-FDC6-D345-B4E0-3B02449209FB}" type="slidenum">
+              <a:rPr lang="en-US" smtClean="0"/>
+              <a:t>5</a:t>
+            </a:fld>
+            <a:endParaRPr lang="en-US"/>
+          </a:p>
+        </p:txBody>
+      </p:sp>
+    </p:spTree>
+    <p:extLst>
+      <p:ext uri="{BB962C8B-B14F-4D97-AF65-F5344CB8AC3E}">
+        <p14:creationId xmlns:p14="http://schemas.microsoft.com/office/powerpoint/2010/main" val="2702405766"/>
+      </p:ext>
+    </p:extLst>
+  </p:cSld>
+  <p:clrMapOvr>
+    <a:masterClrMapping/>
+  </p:clrMapOvr>
+</p:notes>
+</file>
+
+<file path=ppt/notesSlides/notesSlide6.xml><?xml version="1.0" encoding="utf-8"?>
+<p:notes xmlns:a="http://schemas.openxmlformats.org/drawingml/2006/main" xmlns:r="http://schemas.openxmlformats.org/officeDocument/2006/relationships" xmlns:p="http://schemas.openxmlformats.org/presentationml/2006/main">
+  <p:cSld>
+    <p:spTree>
+      <p:nvGrpSpPr>
+        <p:cNvPr id="1" name="">
+          <a:extLst>
+            <a:ext uri="{FF2B5EF4-FFF2-40B4-BE49-F238E27FC236}">
               <a16:creationId xmlns:a16="http://schemas.microsoft.com/office/drawing/2014/main" id="{3415C166-0F50-E043-8950-9F266C4565AE}"/>
             </a:ext>
           </a:extLst>
@@ -1139,7 +1353,7 @@
           <a:p>
             <a:fld id="{061BAA8C-FDC6-D345-B4E0-3B02449209FB}" type="slidenum">
               <a:rPr lang="en-US" smtClean="0"/>
-              <a:t>5</a:t>
+              <a:t>6</a:t>
             </a:fld>
             <a:endParaRPr lang="en-US"/>
           </a:p>
@@ -1305,7 +1519,7 @@
           <a:p>
             <a:fld id="{80FC6068-BAFB-FC44-B9D8-F4B3BB105DE6}" type="datetimeFigureOut">
               <a:rPr lang="en-US" smtClean="0"/>
-              <a:t>2/12/24</a:t>
+              <a:t>2/13/24</a:t>
             </a:fld>
             <a:endParaRPr lang="en-US"/>
           </a:p>
@@ -1503,7 +1717,7 @@
           <a:p>
             <a:fld id="{80FC6068-BAFB-FC44-B9D8-F4B3BB105DE6}" type="datetimeFigureOut">
               <a:rPr lang="en-US" smtClean="0"/>
-              <a:t>2/12/24</a:t>
+              <a:t>2/13/24</a:t>
             </a:fld>
             <a:endParaRPr lang="en-US"/>
           </a:p>
@@ -1711,7 +1925,7 @@
           <a:p>
             <a:fld id="{80FC6068-BAFB-FC44-B9D8-F4B3BB105DE6}" type="datetimeFigureOut">
               <a:rPr lang="en-US" smtClean="0"/>
-              <a:t>2/12/24</a:t>
+              <a:t>2/13/24</a:t>
             </a:fld>
             <a:endParaRPr lang="en-US"/>
           </a:p>
@@ -1915,7 +2129,7 @@
           <a:p>
             <a:fld id="{80FC6068-BAFB-FC44-B9D8-F4B3BB105DE6}" type="datetimeFigureOut">
               <a:rPr lang="en-US" smtClean="0"/>
-              <a:t>2/12/24</a:t>
+              <a:t>2/13/24</a:t>
             </a:fld>
             <a:endParaRPr lang="en-US"/>
           </a:p>
@@ -2206,7 +2420,7 @@
           <a:p>
             <a:fld id="{80FC6068-BAFB-FC44-B9D8-F4B3BB105DE6}" type="datetimeFigureOut">
               <a:rPr lang="en-US" smtClean="0"/>
-              <a:t>2/12/24</a:t>
+              <a:t>2/13/24</a:t>
             </a:fld>
             <a:endParaRPr lang="en-US"/>
           </a:p>
@@ -2471,7 +2685,7 @@
           <a:p>
             <a:fld id="{80FC6068-BAFB-FC44-B9D8-F4B3BB105DE6}" type="datetimeFigureOut">
               <a:rPr lang="en-US" smtClean="0"/>
-              <a:t>2/12/24</a:t>
+              <a:t>2/13/24</a:t>
             </a:fld>
             <a:endParaRPr lang="en-US"/>
           </a:p>
@@ -2883,7 +3097,7 @@
           <a:p>
             <a:fld id="{80FC6068-BAFB-FC44-B9D8-F4B3BB105DE6}" type="datetimeFigureOut">
               <a:rPr lang="en-US" smtClean="0"/>
-              <a:t>2/12/24</a:t>
+              <a:t>2/13/24</a:t>
             </a:fld>
             <a:endParaRPr lang="en-US"/>
           </a:p>
@@ -3024,7 +3238,7 @@
           <a:p>
             <a:fld id="{80FC6068-BAFB-FC44-B9D8-F4B3BB105DE6}" type="datetimeFigureOut">
               <a:rPr lang="en-US" smtClean="0"/>
-              <a:t>2/12/24</a:t>
+              <a:t>2/13/24</a:t>
             </a:fld>
             <a:endParaRPr lang="en-US"/>
           </a:p>
@@ -3137,7 +3351,7 @@
           <a:p>
             <a:fld id="{80FC6068-BAFB-FC44-B9D8-F4B3BB105DE6}" type="datetimeFigureOut">
               <a:rPr lang="en-US" smtClean="0"/>
-              <a:t>2/12/24</a:t>
+              <a:t>2/13/24</a:t>
             </a:fld>
             <a:endParaRPr lang="en-US"/>
           </a:p>
@@ -3448,7 +3662,7 @@
           <a:p>
             <a:fld id="{80FC6068-BAFB-FC44-B9D8-F4B3BB105DE6}" type="datetimeFigureOut">
               <a:rPr lang="en-US" smtClean="0"/>
-              <a:t>2/12/24</a:t>
+              <a:t>2/13/24</a:t>
             </a:fld>
             <a:endParaRPr lang="en-US"/>
           </a:p>
@@ -3736,7 +3950,7 @@
           <a:p>
             <a:fld id="{80FC6068-BAFB-FC44-B9D8-F4B3BB105DE6}" type="datetimeFigureOut">
               <a:rPr lang="en-US" smtClean="0"/>
-              <a:t>2/12/24</a:t>
+              <a:t>2/13/24</a:t>
             </a:fld>
             <a:endParaRPr lang="en-US"/>
           </a:p>
@@ -3977,7 +4191,7 @@
           <a:p>
             <a:fld id="{80FC6068-BAFB-FC44-B9D8-F4B3BB105DE6}" type="datetimeFigureOut">
               <a:rPr lang="en-US" smtClean="0"/>
-              <a:t>2/12/24</a:t>
+              <a:t>2/13/24</a:t>
             </a:fld>
             <a:endParaRPr lang="en-US"/>
           </a:p>
@@ -4564,6 +4778,12 @@
               <a:t> analysis figures</a:t>
             </a:r>
           </a:p>
+          <a:p>
+            <a:r>
+              <a:rPr lang="en-US" dirty="0"/>
+              <a:t>Compared some different cell typing methods</a:t>
+            </a:r>
+          </a:p>
         </p:txBody>
       </p:sp>
     </p:spTree>
@@ -5100,6 +5320,126 @@
         <p:cNvPr id="1" name="">
           <a:extLst>
             <a:ext uri="{FF2B5EF4-FFF2-40B4-BE49-F238E27FC236}">
+              <a16:creationId xmlns:a16="http://schemas.microsoft.com/office/drawing/2014/main" id="{7FE020D0-3802-F642-1627-AD9B32C62456}"/>
+            </a:ext>
+          </a:extLst>
+        </p:cNvPr>
+        <p:cNvGrpSpPr/>
+        <p:nvPr/>
+      </p:nvGrpSpPr>
+      <p:grpSpPr>
+        <a:xfrm>
+          <a:off x="0" y="0"/>
+          <a:ext cx="0" cy="0"/>
+          <a:chOff x="0" y="0"/>
+          <a:chExt cx="0" cy="0"/>
+        </a:xfrm>
+      </p:grpSpPr>
+      <p:sp>
+        <p:nvSpPr>
+          <p:cNvPr id="10" name="Title 1">
+            <a:extLst>
+              <a:ext uri="{FF2B5EF4-FFF2-40B4-BE49-F238E27FC236}">
+                <a16:creationId xmlns:a16="http://schemas.microsoft.com/office/drawing/2014/main" id="{18FB60E6-7B16-0AC5-6FC5-7EA4C36D2357}"/>
+              </a:ext>
+            </a:extLst>
+          </p:cNvPr>
+          <p:cNvSpPr txBox="1">
+            <a:spLocks/>
+          </p:cNvSpPr>
+          <p:nvPr/>
+        </p:nvSpPr>
+        <p:spPr>
+          <a:xfrm>
+            <a:off x="838200" y="593725"/>
+            <a:ext cx="7275786" cy="1325563"/>
+          </a:xfrm>
+          <a:prstGeom prst="rect">
+            <a:avLst/>
+          </a:prstGeom>
+        </p:spPr>
+        <p:txBody>
+          <a:bodyPr vert="horz" lIns="91440" tIns="45720" rIns="91440" bIns="45720" rtlCol="0" anchor="ctr">
+            <a:normAutofit fontScale="92500" lnSpcReduction="10000"/>
+          </a:bodyPr>
+          <a:lstStyle>
+            <a:lvl1pPr algn="l" defTabSz="914400" rtl="0" eaLnBrk="1" latinLnBrk="0" hangingPunct="1">
+              <a:lnSpc>
+                <a:spcPct val="90000"/>
+              </a:lnSpc>
+              <a:spcBef>
+                <a:spcPct val="0"/>
+              </a:spcBef>
+              <a:buNone/>
+              <a:defRPr sz="3600" kern="1200">
+                <a:solidFill>
+                  <a:schemeClr val="tx1"/>
+                </a:solidFill>
+                <a:latin typeface="+mj-lt"/>
+                <a:ea typeface="+mj-ea"/>
+                <a:cs typeface="+mj-cs"/>
+              </a:defRPr>
+            </a:lvl1pPr>
+          </a:lstStyle>
+          <a:p>
+            <a:r>
+              <a:rPr lang="en-US" dirty="0"/>
+              <a:t>Cell type labels generally agree but there are method/reference differences (colitis dataset)</a:t>
+            </a:r>
+          </a:p>
+        </p:txBody>
+      </p:sp>
+      <p:pic>
+        <p:nvPicPr>
+          <p:cNvPr id="11" name="Picture 10">
+            <a:extLst>
+              <a:ext uri="{FF2B5EF4-FFF2-40B4-BE49-F238E27FC236}">
+                <a16:creationId xmlns:a16="http://schemas.microsoft.com/office/drawing/2014/main" id="{63D6E05C-D860-9CBD-76BC-343F1B1C7005}"/>
+              </a:ext>
+            </a:extLst>
+          </p:cNvPr>
+          <p:cNvPicPr>
+            <a:picLocks noChangeAspect="1"/>
+          </p:cNvPicPr>
+          <p:nvPr/>
+        </p:nvPicPr>
+        <p:blipFill>
+          <a:blip r:embed="rId3"/>
+          <a:stretch>
+            <a:fillRect/>
+          </a:stretch>
+        </p:blipFill>
+        <p:spPr>
+          <a:xfrm>
+            <a:off x="8241792" y="0"/>
+            <a:ext cx="3950208" cy="6858000"/>
+          </a:xfrm>
+          <a:prstGeom prst="rect">
+            <a:avLst/>
+          </a:prstGeom>
+        </p:spPr>
+      </p:pic>
+    </p:spTree>
+    <p:extLst>
+      <p:ext uri="{BB962C8B-B14F-4D97-AF65-F5344CB8AC3E}">
+        <p14:creationId xmlns:p14="http://schemas.microsoft.com/office/powerpoint/2010/main" val="1857300261"/>
+      </p:ext>
+    </p:extLst>
+  </p:cSld>
+  <p:clrMapOvr>
+    <a:masterClrMapping/>
+  </p:clrMapOvr>
+</p:sld>
+</file>
+
+<file path=ppt/slides/slide6.xml><?xml version="1.0" encoding="utf-8"?>
+<p:sld xmlns:a="http://schemas.openxmlformats.org/drawingml/2006/main" xmlns:r="http://schemas.openxmlformats.org/officeDocument/2006/relationships" xmlns:p="http://schemas.openxmlformats.org/presentationml/2006/main">
+  <p:cSld>
+    <p:spTree>
+      <p:nvGrpSpPr>
+        <p:cNvPr id="1" name="">
+          <a:extLst>
+            <a:ext uri="{FF2B5EF4-FFF2-40B4-BE49-F238E27FC236}">
               <a16:creationId xmlns:a16="http://schemas.microsoft.com/office/drawing/2014/main" id="{5F63F271-7169-1115-1EF3-CE3BF477816E}"/>
             </a:ext>
           </a:extLst>
@@ -5169,7 +5509,7 @@
         <p:spPr>
           <a:xfrm>
             <a:off x="838200" y="1919289"/>
-            <a:ext cx="10040007" cy="4623402"/>
+            <a:ext cx="5257799" cy="4623402"/>
           </a:xfrm>
         </p:spPr>
         <p:txBody>
@@ -5182,10 +5522,109 @@
               <a:buFont typeface="+mj-lt"/>
               <a:buAutoNum type="arabicPeriod"/>
             </a:pPr>
-            <a:endParaRPr lang="en-US" dirty="0"/>
-          </a:p>
-        </p:txBody>
-      </p:sp>
+            <a:r>
+              <a:rPr lang="en-US" dirty="0"/>
+              <a:t>More </a:t>
+            </a:r>
+            <a:r>
+              <a:rPr lang="en-US" dirty="0" err="1"/>
+              <a:t>ATACseq</a:t>
+            </a:r>
+            <a:r>
+              <a:rPr lang="en-US" dirty="0"/>
+              <a:t> practice</a:t>
+            </a:r>
+          </a:p>
+          <a:p>
+            <a:pPr marL="971550" lvl="1" indent="-514350">
+              <a:buFont typeface="+mj-lt"/>
+              <a:buAutoNum type="alphaLcParenR"/>
+            </a:pPr>
+            <a:r>
+              <a:rPr lang="en-US" dirty="0"/>
+              <a:t>Mean signal plots for specific genes (fig 2C)</a:t>
+            </a:r>
+          </a:p>
+          <a:p>
+            <a:pPr marL="971550" lvl="1" indent="-514350">
+              <a:buFont typeface="+mj-lt"/>
+              <a:buAutoNum type="alphaLcParenR"/>
+            </a:pPr>
+            <a:r>
+              <a:rPr lang="en-US" dirty="0"/>
+              <a:t>Incorporate </a:t>
+            </a:r>
+            <a:r>
+              <a:rPr lang="en-US" dirty="0" err="1"/>
+              <a:t>RNAseq</a:t>
+            </a:r>
+            <a:r>
+              <a:rPr lang="en-US" dirty="0"/>
+              <a:t> data to be able to reproduce fig 4B?</a:t>
+            </a:r>
+          </a:p>
+          <a:p>
+            <a:pPr marL="514350" indent="-514350">
+              <a:buFont typeface="+mj-lt"/>
+              <a:buAutoNum type="arabicPeriod"/>
+            </a:pPr>
+            <a:r>
+              <a:rPr lang="en-US" dirty="0"/>
+              <a:t>Cell typing</a:t>
+            </a:r>
+          </a:p>
+          <a:p>
+            <a:pPr marL="971550" lvl="1" indent="-514350">
+              <a:buFont typeface="+mj-lt"/>
+              <a:buAutoNum type="alphaLcParenR"/>
+            </a:pPr>
+            <a:r>
+              <a:rPr lang="en-US" dirty="0"/>
+              <a:t>Unicell deconvolve</a:t>
+            </a:r>
+          </a:p>
+          <a:p>
+            <a:pPr marL="971550" lvl="1" indent="-514350">
+              <a:buFont typeface="+mj-lt"/>
+              <a:buAutoNum type="alphaLcParenR"/>
+            </a:pPr>
+            <a:r>
+              <a:rPr lang="en-US" dirty="0"/>
+              <a:t>Not sure how to proceed with many cells called differently cell types by different methods…</a:t>
+            </a:r>
+          </a:p>
+        </p:txBody>
+      </p:sp>
+      <p:pic>
+        <p:nvPicPr>
+          <p:cNvPr id="4" name="Picture 3">
+            <a:extLst>
+              <a:ext uri="{FF2B5EF4-FFF2-40B4-BE49-F238E27FC236}">
+                <a16:creationId xmlns:a16="http://schemas.microsoft.com/office/drawing/2014/main" id="{FBD7DE2A-4827-6BD6-74A5-D0CAD4CF4072}"/>
+              </a:ext>
+            </a:extLst>
+          </p:cNvPr>
+          <p:cNvPicPr>
+            <a:picLocks noChangeAspect="1"/>
+          </p:cNvPicPr>
+          <p:nvPr/>
+        </p:nvPicPr>
+        <p:blipFill>
+          <a:blip r:embed="rId3"/>
+          <a:stretch>
+            <a:fillRect/>
+          </a:stretch>
+        </p:blipFill>
+        <p:spPr>
+          <a:xfrm>
+            <a:off x="6211186" y="0"/>
+            <a:ext cx="5980814" cy="6858000"/>
+          </a:xfrm>
+          <a:prstGeom prst="rect">
+            <a:avLst/>
+          </a:prstGeom>
+        </p:spPr>
+      </p:pic>
     </p:spTree>
     <p:extLst>
       <p:ext uri="{BB962C8B-B14F-4D97-AF65-F5344CB8AC3E}">

--- a/presentations/weekly_meetings/2_15_24.pptx
+++ b/presentations/weekly_meetings/2_15_24.pptx
@@ -213,7 +213,7 @@
           <a:p>
             <a:fld id="{E933A773-0DCE-3544-BB67-D5FA58DF903C}" type="datetimeFigureOut">
               <a:rPr lang="en-US" smtClean="0"/>
-              <a:t>2/13/24</a:t>
+              <a:t>2/15/24</a:t>
             </a:fld>
             <a:endParaRPr lang="en-US"/>
           </a:p>
@@ -1519,7 +1519,7 @@
           <a:p>
             <a:fld id="{80FC6068-BAFB-FC44-B9D8-F4B3BB105DE6}" type="datetimeFigureOut">
               <a:rPr lang="en-US" smtClean="0"/>
-              <a:t>2/13/24</a:t>
+              <a:t>2/15/24</a:t>
             </a:fld>
             <a:endParaRPr lang="en-US"/>
           </a:p>
@@ -1717,7 +1717,7 @@
           <a:p>
             <a:fld id="{80FC6068-BAFB-FC44-B9D8-F4B3BB105DE6}" type="datetimeFigureOut">
               <a:rPr lang="en-US" smtClean="0"/>
-              <a:t>2/13/24</a:t>
+              <a:t>2/15/24</a:t>
             </a:fld>
             <a:endParaRPr lang="en-US"/>
           </a:p>
@@ -1925,7 +1925,7 @@
           <a:p>
             <a:fld id="{80FC6068-BAFB-FC44-B9D8-F4B3BB105DE6}" type="datetimeFigureOut">
               <a:rPr lang="en-US" smtClean="0"/>
-              <a:t>2/13/24</a:t>
+              <a:t>2/15/24</a:t>
             </a:fld>
             <a:endParaRPr lang="en-US"/>
           </a:p>
@@ -2129,7 +2129,7 @@
           <a:p>
             <a:fld id="{80FC6068-BAFB-FC44-B9D8-F4B3BB105DE6}" type="datetimeFigureOut">
               <a:rPr lang="en-US" smtClean="0"/>
-              <a:t>2/13/24</a:t>
+              <a:t>2/15/24</a:t>
             </a:fld>
             <a:endParaRPr lang="en-US"/>
           </a:p>
@@ -2420,7 +2420,7 @@
           <a:p>
             <a:fld id="{80FC6068-BAFB-FC44-B9D8-F4B3BB105DE6}" type="datetimeFigureOut">
               <a:rPr lang="en-US" smtClean="0"/>
-              <a:t>2/13/24</a:t>
+              <a:t>2/15/24</a:t>
             </a:fld>
             <a:endParaRPr lang="en-US"/>
           </a:p>
@@ -2685,7 +2685,7 @@
           <a:p>
             <a:fld id="{80FC6068-BAFB-FC44-B9D8-F4B3BB105DE6}" type="datetimeFigureOut">
               <a:rPr lang="en-US" smtClean="0"/>
-              <a:t>2/13/24</a:t>
+              <a:t>2/15/24</a:t>
             </a:fld>
             <a:endParaRPr lang="en-US"/>
           </a:p>
@@ -3097,7 +3097,7 @@
           <a:p>
             <a:fld id="{80FC6068-BAFB-FC44-B9D8-F4B3BB105DE6}" type="datetimeFigureOut">
               <a:rPr lang="en-US" smtClean="0"/>
-              <a:t>2/13/24</a:t>
+              <a:t>2/15/24</a:t>
             </a:fld>
             <a:endParaRPr lang="en-US"/>
           </a:p>
@@ -3238,7 +3238,7 @@
           <a:p>
             <a:fld id="{80FC6068-BAFB-FC44-B9D8-F4B3BB105DE6}" type="datetimeFigureOut">
               <a:rPr lang="en-US" smtClean="0"/>
-              <a:t>2/13/24</a:t>
+              <a:t>2/15/24</a:t>
             </a:fld>
             <a:endParaRPr lang="en-US"/>
           </a:p>
@@ -3351,7 +3351,7 @@
           <a:p>
             <a:fld id="{80FC6068-BAFB-FC44-B9D8-F4B3BB105DE6}" type="datetimeFigureOut">
               <a:rPr lang="en-US" smtClean="0"/>
-              <a:t>2/13/24</a:t>
+              <a:t>2/15/24</a:t>
             </a:fld>
             <a:endParaRPr lang="en-US"/>
           </a:p>
@@ -3662,7 +3662,7 @@
           <a:p>
             <a:fld id="{80FC6068-BAFB-FC44-B9D8-F4B3BB105DE6}" type="datetimeFigureOut">
               <a:rPr lang="en-US" smtClean="0"/>
-              <a:t>2/13/24</a:t>
+              <a:t>2/15/24</a:t>
             </a:fld>
             <a:endParaRPr lang="en-US"/>
           </a:p>
@@ -3950,7 +3950,7 @@
           <a:p>
             <a:fld id="{80FC6068-BAFB-FC44-B9D8-F4B3BB105DE6}" type="datetimeFigureOut">
               <a:rPr lang="en-US" smtClean="0"/>
-              <a:t>2/13/24</a:t>
+              <a:t>2/15/24</a:t>
             </a:fld>
             <a:endParaRPr lang="en-US"/>
           </a:p>
@@ -4191,7 +4191,7 @@
           <a:p>
             <a:fld id="{80FC6068-BAFB-FC44-B9D8-F4B3BB105DE6}" type="datetimeFigureOut">
               <a:rPr lang="en-US" smtClean="0"/>
-              <a:t>2/13/24</a:t>
+              <a:t>2/15/24</a:t>
             </a:fld>
             <a:endParaRPr lang="en-US"/>
           </a:p>
@@ -5570,27 +5570,26 @@
             </a:pPr>
             <a:r>
               <a:rPr lang="en-US" dirty="0"/>
-              <a:t>Cell typing</a:t>
-            </a:r>
-          </a:p>
-          <a:p>
-            <a:pPr marL="971550" lvl="1" indent="-514350">
+              <a:t>HLA typing from CDR3s (</a:t>
+            </a:r>
+            <a:r>
+              <a:rPr lang="en-US" dirty="0" err="1"/>
+              <a:t>HLAGuessr</a:t>
+            </a:r>
+            <a:r>
+              <a:rPr lang="en-US"/>
+              <a:t>)</a:t>
+            </a:r>
+            <a:endParaRPr lang="en-US" dirty="0"/>
+          </a:p>
+          <a:p>
+            <a:pPr marL="514350" indent="-514350">
               <a:buFont typeface="+mj-lt"/>
-              <a:buAutoNum type="alphaLcParenR"/>
+              <a:buAutoNum type="arabicPeriod"/>
             </a:pPr>
             <a:r>
               <a:rPr lang="en-US" dirty="0"/>
-              <a:t>Unicell deconvolve</a:t>
-            </a:r>
-          </a:p>
-          <a:p>
-            <a:pPr marL="971550" lvl="1" indent="-514350">
-              <a:buFont typeface="+mj-lt"/>
-              <a:buAutoNum type="alphaLcParenR"/>
-            </a:pPr>
-            <a:r>
-              <a:rPr lang="en-US" dirty="0"/>
-              <a:t>Not sure how to proceed with many cells called differently cell types by different methods…</a:t>
+              <a:t>Cell typing via Unicell deconvolve</a:t>
             </a:r>
           </a:p>
         </p:txBody>
